--- a/PPTs/最长递增子序列.pptx
+++ b/PPTs/最长递增子序列.pptx
@@ -5,8 +5,8 @@
     <p:sldMasterId id="2147483648" r:id="rId1"/>
   </p:sldMasterIdLst>
   <p:sldIdLst>
-    <p:sldId id="256" r:id="rId3"/>
-    <p:sldId id="257" r:id="rId4"/>
+    <p:sldId id="256" r:id="rId2"/>
+    <p:sldId id="257" r:id="rId3"/>
   </p:sldIdLst>
   <p:sldSz cx="12192000" cy="6858000"/>
   <p:notesSz cx="6858000" cy="9144000"/>
@@ -105,6 +105,11 @@
       </a:defRPr>
     </a:lvl9pPr>
   </p:defaultTextStyle>
+  <p:extLst>
+    <p:ext uri="{EFAFB233-063F-42B5-8137-9DF3F51BA10A}">
+      <p15:sldGuideLst xmlns:p15="http://schemas.microsoft.com/office/powerpoint/2012/main"/>
+    </p:ext>
+  </p:extLst>
 </p:presentation>
 </file>
 
@@ -150,10 +155,9 @@
           </a:lstStyle>
           <a:p>
             <a:r>
-              <a:rPr lang="zh-CN" altLang="en-US" smtClean="0"/>
+              <a:rPr lang="zh-CN" altLang="en-US"/>
               <a:t>单击此处编辑母版标题样式</a:t>
             </a:r>
-            <a:endParaRPr lang="zh-CN" altLang="en-US"/>
           </a:p>
         </p:txBody>
       </p:sp>
@@ -215,10 +219,9 @@
           </a:lstStyle>
           <a:p>
             <a:r>
-              <a:rPr lang="zh-CN" altLang="en-US" smtClean="0"/>
+              <a:rPr lang="zh-CN" altLang="en-US"/>
               <a:t>单击此处编辑母版副标题样式</a:t>
             </a:r>
-            <a:endParaRPr lang="zh-CN" altLang="en-US"/>
           </a:p>
         </p:txBody>
       </p:sp>
@@ -239,6 +242,7 @@
           <a:p>
             <a:fld id="{D997B5FA-0921-464F-AAE1-844C04324D75}" type="datetimeFigureOut">
               <a:rPr lang="zh-CN" altLang="en-US" smtClean="0"/>
+              <a:t>2020/12/24</a:t>
             </a:fld>
             <a:endParaRPr lang="zh-CN" altLang="en-US"/>
           </a:p>
@@ -280,6 +284,7 @@
           <a:p>
             <a:fld id="{565CE74E-AB26-4998-AD42-012C4C1AD076}" type="slidenum">
               <a:rPr lang="zh-CN" altLang="en-US" smtClean="0"/>
+              <a:t>‹#›</a:t>
             </a:fld>
             <a:endParaRPr lang="zh-CN" altLang="en-US"/>
           </a:p>
@@ -326,10 +331,9 @@
           <a:lstStyle/>
           <a:p>
             <a:r>
-              <a:rPr lang="zh-CN" altLang="en-US" smtClean="0"/>
+              <a:rPr lang="zh-CN" altLang="en-US"/>
               <a:t>单击此处编辑母版标题样式</a:t>
             </a:r>
-            <a:endParaRPr lang="zh-CN" altLang="en-US"/>
           </a:p>
         </p:txBody>
       </p:sp>
@@ -350,42 +354,37 @@
           <a:p>
             <a:pPr lvl="0"/>
             <a:r>
-              <a:rPr lang="zh-CN" altLang="en-US" smtClean="0"/>
+              <a:rPr lang="zh-CN" altLang="en-US"/>
               <a:t>单击此处编辑母版文本样式</a:t>
             </a:r>
-            <a:endParaRPr lang="zh-CN" altLang="en-US" smtClean="0"/>
           </a:p>
           <a:p>
             <a:pPr lvl="1"/>
             <a:r>
-              <a:rPr lang="zh-CN" altLang="en-US" smtClean="0"/>
+              <a:rPr lang="zh-CN" altLang="en-US"/>
               <a:t>第二级</a:t>
             </a:r>
-            <a:endParaRPr lang="zh-CN" altLang="en-US" smtClean="0"/>
           </a:p>
           <a:p>
             <a:pPr lvl="2"/>
             <a:r>
-              <a:rPr lang="zh-CN" altLang="en-US" smtClean="0"/>
+              <a:rPr lang="zh-CN" altLang="en-US"/>
               <a:t>第三级</a:t>
             </a:r>
-            <a:endParaRPr lang="zh-CN" altLang="en-US" smtClean="0"/>
           </a:p>
           <a:p>
             <a:pPr lvl="3"/>
             <a:r>
-              <a:rPr lang="zh-CN" altLang="en-US" smtClean="0"/>
+              <a:rPr lang="zh-CN" altLang="en-US"/>
               <a:t>第四级</a:t>
             </a:r>
-            <a:endParaRPr lang="zh-CN" altLang="en-US" smtClean="0"/>
           </a:p>
           <a:p>
             <a:pPr lvl="4"/>
             <a:r>
-              <a:rPr lang="zh-CN" altLang="en-US" smtClean="0"/>
+              <a:rPr lang="zh-CN" altLang="en-US"/>
               <a:t>第五级</a:t>
             </a:r>
-            <a:endParaRPr lang="zh-CN" altLang="en-US"/>
           </a:p>
         </p:txBody>
       </p:sp>
@@ -406,6 +405,7 @@
           <a:p>
             <a:fld id="{D997B5FA-0921-464F-AAE1-844C04324D75}" type="datetimeFigureOut">
               <a:rPr lang="zh-CN" altLang="en-US" smtClean="0"/>
+              <a:t>2020/12/24</a:t>
             </a:fld>
             <a:endParaRPr lang="zh-CN" altLang="en-US"/>
           </a:p>
@@ -447,6 +447,7 @@
           <a:p>
             <a:fld id="{565CE74E-AB26-4998-AD42-012C4C1AD076}" type="slidenum">
               <a:rPr lang="zh-CN" altLang="en-US" smtClean="0"/>
+              <a:t>‹#›</a:t>
             </a:fld>
             <a:endParaRPr lang="zh-CN" altLang="en-US"/>
           </a:p>
@@ -498,10 +499,9 @@
           <a:lstStyle/>
           <a:p>
             <a:r>
-              <a:rPr lang="zh-CN" altLang="en-US" smtClean="0"/>
+              <a:rPr lang="zh-CN" altLang="en-US"/>
               <a:t>单击此处编辑母版标题样式</a:t>
             </a:r>
-            <a:endParaRPr lang="zh-CN" altLang="en-US"/>
           </a:p>
         </p:txBody>
       </p:sp>
@@ -527,42 +527,37 @@
           <a:p>
             <a:pPr lvl="0"/>
             <a:r>
-              <a:rPr lang="zh-CN" altLang="en-US" smtClean="0"/>
+              <a:rPr lang="zh-CN" altLang="en-US"/>
               <a:t>单击此处编辑母版文本样式</a:t>
             </a:r>
-            <a:endParaRPr lang="zh-CN" altLang="en-US" smtClean="0"/>
           </a:p>
           <a:p>
             <a:pPr lvl="1"/>
             <a:r>
-              <a:rPr lang="zh-CN" altLang="en-US" smtClean="0"/>
+              <a:rPr lang="zh-CN" altLang="en-US"/>
               <a:t>第二级</a:t>
             </a:r>
-            <a:endParaRPr lang="zh-CN" altLang="en-US" smtClean="0"/>
           </a:p>
           <a:p>
             <a:pPr lvl="2"/>
             <a:r>
-              <a:rPr lang="zh-CN" altLang="en-US" smtClean="0"/>
+              <a:rPr lang="zh-CN" altLang="en-US"/>
               <a:t>第三级</a:t>
             </a:r>
-            <a:endParaRPr lang="zh-CN" altLang="en-US" smtClean="0"/>
           </a:p>
           <a:p>
             <a:pPr lvl="3"/>
             <a:r>
-              <a:rPr lang="zh-CN" altLang="en-US" smtClean="0"/>
+              <a:rPr lang="zh-CN" altLang="en-US"/>
               <a:t>第四级</a:t>
             </a:r>
-            <a:endParaRPr lang="zh-CN" altLang="en-US" smtClean="0"/>
           </a:p>
           <a:p>
             <a:pPr lvl="4"/>
             <a:r>
-              <a:rPr lang="zh-CN" altLang="en-US" smtClean="0"/>
+              <a:rPr lang="zh-CN" altLang="en-US"/>
               <a:t>第五级</a:t>
             </a:r>
-            <a:endParaRPr lang="zh-CN" altLang="en-US"/>
           </a:p>
         </p:txBody>
       </p:sp>
@@ -583,6 +578,7 @@
           <a:p>
             <a:fld id="{D997B5FA-0921-464F-AAE1-844C04324D75}" type="datetimeFigureOut">
               <a:rPr lang="zh-CN" altLang="en-US" smtClean="0"/>
+              <a:t>2020/12/24</a:t>
             </a:fld>
             <a:endParaRPr lang="zh-CN" altLang="en-US"/>
           </a:p>
@@ -624,6 +620,7 @@
           <a:p>
             <a:fld id="{565CE74E-AB26-4998-AD42-012C4C1AD076}" type="slidenum">
               <a:rPr lang="zh-CN" altLang="en-US" smtClean="0"/>
+              <a:t>‹#›</a:t>
             </a:fld>
             <a:endParaRPr lang="zh-CN" altLang="en-US"/>
           </a:p>
@@ -670,10 +667,9 @@
           <a:lstStyle/>
           <a:p>
             <a:r>
-              <a:rPr lang="zh-CN" altLang="en-US" smtClean="0"/>
+              <a:rPr lang="zh-CN" altLang="en-US"/>
               <a:t>单击此处编辑母版标题样式</a:t>
             </a:r>
-            <a:endParaRPr lang="zh-CN" altLang="en-US"/>
           </a:p>
         </p:txBody>
       </p:sp>
@@ -694,42 +690,37 @@
           <a:p>
             <a:pPr lvl="0"/>
             <a:r>
-              <a:rPr lang="zh-CN" altLang="en-US" smtClean="0"/>
+              <a:rPr lang="zh-CN" altLang="en-US"/>
               <a:t>单击此处编辑母版文本样式</a:t>
             </a:r>
-            <a:endParaRPr lang="zh-CN" altLang="en-US" smtClean="0"/>
           </a:p>
           <a:p>
             <a:pPr lvl="1"/>
             <a:r>
-              <a:rPr lang="zh-CN" altLang="en-US" smtClean="0"/>
+              <a:rPr lang="zh-CN" altLang="en-US"/>
               <a:t>第二级</a:t>
             </a:r>
-            <a:endParaRPr lang="zh-CN" altLang="en-US" smtClean="0"/>
           </a:p>
           <a:p>
             <a:pPr lvl="2"/>
             <a:r>
-              <a:rPr lang="zh-CN" altLang="en-US" smtClean="0"/>
+              <a:rPr lang="zh-CN" altLang="en-US"/>
               <a:t>第三级</a:t>
             </a:r>
-            <a:endParaRPr lang="zh-CN" altLang="en-US" smtClean="0"/>
           </a:p>
           <a:p>
             <a:pPr lvl="3"/>
             <a:r>
-              <a:rPr lang="zh-CN" altLang="en-US" smtClean="0"/>
+              <a:rPr lang="zh-CN" altLang="en-US"/>
               <a:t>第四级</a:t>
             </a:r>
-            <a:endParaRPr lang="zh-CN" altLang="en-US" smtClean="0"/>
           </a:p>
           <a:p>
             <a:pPr lvl="4"/>
             <a:r>
-              <a:rPr lang="zh-CN" altLang="en-US" smtClean="0"/>
+              <a:rPr lang="zh-CN" altLang="en-US"/>
               <a:t>第五级</a:t>
             </a:r>
-            <a:endParaRPr lang="zh-CN" altLang="en-US"/>
           </a:p>
         </p:txBody>
       </p:sp>
@@ -750,6 +741,7 @@
           <a:p>
             <a:fld id="{D997B5FA-0921-464F-AAE1-844C04324D75}" type="datetimeFigureOut">
               <a:rPr lang="zh-CN" altLang="en-US" smtClean="0"/>
+              <a:t>2020/12/24</a:t>
             </a:fld>
             <a:endParaRPr lang="zh-CN" altLang="en-US"/>
           </a:p>
@@ -791,6 +783,7 @@
           <a:p>
             <a:fld id="{565CE74E-AB26-4998-AD42-012C4C1AD076}" type="slidenum">
               <a:rPr lang="zh-CN" altLang="en-US" smtClean="0"/>
+              <a:t>‹#›</a:t>
             </a:fld>
             <a:endParaRPr lang="zh-CN" altLang="en-US"/>
           </a:p>
@@ -846,10 +839,9 @@
           </a:lstStyle>
           <a:p>
             <a:r>
-              <a:rPr lang="zh-CN" altLang="en-US" smtClean="0"/>
+              <a:rPr lang="zh-CN" altLang="en-US"/>
               <a:t>单击此处编辑母版标题样式</a:t>
             </a:r>
-            <a:endParaRPr lang="zh-CN" altLang="en-US"/>
           </a:p>
         </p:txBody>
       </p:sp>
@@ -966,10 +958,9 @@
           <a:p>
             <a:pPr lvl="0"/>
             <a:r>
-              <a:rPr lang="zh-CN" altLang="en-US" smtClean="0"/>
+              <a:rPr lang="zh-CN" altLang="en-US"/>
               <a:t>单击此处编辑母版文本样式</a:t>
             </a:r>
-            <a:endParaRPr lang="zh-CN" altLang="en-US" smtClean="0"/>
           </a:p>
         </p:txBody>
       </p:sp>
@@ -990,6 +981,7 @@
           <a:p>
             <a:fld id="{D997B5FA-0921-464F-AAE1-844C04324D75}" type="datetimeFigureOut">
               <a:rPr lang="zh-CN" altLang="en-US" smtClean="0"/>
+              <a:t>2020/12/24</a:t>
             </a:fld>
             <a:endParaRPr lang="zh-CN" altLang="en-US"/>
           </a:p>
@@ -1031,6 +1023,7 @@
           <a:p>
             <a:fld id="{565CE74E-AB26-4998-AD42-012C4C1AD076}" type="slidenum">
               <a:rPr lang="zh-CN" altLang="en-US" smtClean="0"/>
+              <a:t>‹#›</a:t>
             </a:fld>
             <a:endParaRPr lang="zh-CN" altLang="en-US"/>
           </a:p>
@@ -1077,10 +1070,9 @@
           <a:lstStyle/>
           <a:p>
             <a:r>
-              <a:rPr lang="zh-CN" altLang="en-US" smtClean="0"/>
+              <a:rPr lang="zh-CN" altLang="en-US"/>
               <a:t>单击此处编辑母版标题样式</a:t>
             </a:r>
-            <a:endParaRPr lang="zh-CN" altLang="en-US"/>
           </a:p>
         </p:txBody>
       </p:sp>
@@ -1106,42 +1098,37 @@
           <a:p>
             <a:pPr lvl="0"/>
             <a:r>
-              <a:rPr lang="zh-CN" altLang="en-US" smtClean="0"/>
+              <a:rPr lang="zh-CN" altLang="en-US"/>
               <a:t>单击此处编辑母版文本样式</a:t>
             </a:r>
-            <a:endParaRPr lang="zh-CN" altLang="en-US" smtClean="0"/>
           </a:p>
           <a:p>
             <a:pPr lvl="1"/>
             <a:r>
-              <a:rPr lang="zh-CN" altLang="en-US" smtClean="0"/>
+              <a:rPr lang="zh-CN" altLang="en-US"/>
               <a:t>第二级</a:t>
             </a:r>
-            <a:endParaRPr lang="zh-CN" altLang="en-US" smtClean="0"/>
           </a:p>
           <a:p>
             <a:pPr lvl="2"/>
             <a:r>
-              <a:rPr lang="zh-CN" altLang="en-US" smtClean="0"/>
+              <a:rPr lang="zh-CN" altLang="en-US"/>
               <a:t>第三级</a:t>
             </a:r>
-            <a:endParaRPr lang="zh-CN" altLang="en-US" smtClean="0"/>
           </a:p>
           <a:p>
             <a:pPr lvl="3"/>
             <a:r>
-              <a:rPr lang="zh-CN" altLang="en-US" smtClean="0"/>
+              <a:rPr lang="zh-CN" altLang="en-US"/>
               <a:t>第四级</a:t>
             </a:r>
-            <a:endParaRPr lang="zh-CN" altLang="en-US" smtClean="0"/>
           </a:p>
           <a:p>
             <a:pPr lvl="4"/>
             <a:r>
-              <a:rPr lang="zh-CN" altLang="en-US" smtClean="0"/>
+              <a:rPr lang="zh-CN" altLang="en-US"/>
               <a:t>第五级</a:t>
             </a:r>
-            <a:endParaRPr lang="zh-CN" altLang="en-US"/>
           </a:p>
         </p:txBody>
       </p:sp>
@@ -1167,42 +1154,37 @@
           <a:p>
             <a:pPr lvl="0"/>
             <a:r>
-              <a:rPr lang="zh-CN" altLang="en-US" smtClean="0"/>
+              <a:rPr lang="zh-CN" altLang="en-US"/>
               <a:t>单击此处编辑母版文本样式</a:t>
             </a:r>
-            <a:endParaRPr lang="zh-CN" altLang="en-US" smtClean="0"/>
           </a:p>
           <a:p>
             <a:pPr lvl="1"/>
             <a:r>
-              <a:rPr lang="zh-CN" altLang="en-US" smtClean="0"/>
+              <a:rPr lang="zh-CN" altLang="en-US"/>
               <a:t>第二级</a:t>
             </a:r>
-            <a:endParaRPr lang="zh-CN" altLang="en-US" smtClean="0"/>
           </a:p>
           <a:p>
             <a:pPr lvl="2"/>
             <a:r>
-              <a:rPr lang="zh-CN" altLang="en-US" smtClean="0"/>
+              <a:rPr lang="zh-CN" altLang="en-US"/>
               <a:t>第三级</a:t>
             </a:r>
-            <a:endParaRPr lang="zh-CN" altLang="en-US" smtClean="0"/>
           </a:p>
           <a:p>
             <a:pPr lvl="3"/>
             <a:r>
-              <a:rPr lang="zh-CN" altLang="en-US" smtClean="0"/>
+              <a:rPr lang="zh-CN" altLang="en-US"/>
               <a:t>第四级</a:t>
             </a:r>
-            <a:endParaRPr lang="zh-CN" altLang="en-US" smtClean="0"/>
           </a:p>
           <a:p>
             <a:pPr lvl="4"/>
             <a:r>
-              <a:rPr lang="zh-CN" altLang="en-US" smtClean="0"/>
+              <a:rPr lang="zh-CN" altLang="en-US"/>
               <a:t>第五级</a:t>
             </a:r>
-            <a:endParaRPr lang="zh-CN" altLang="en-US"/>
           </a:p>
         </p:txBody>
       </p:sp>
@@ -1223,6 +1205,7 @@
           <a:p>
             <a:fld id="{D997B5FA-0921-464F-AAE1-844C04324D75}" type="datetimeFigureOut">
               <a:rPr lang="zh-CN" altLang="en-US" smtClean="0"/>
+              <a:t>2020/12/24</a:t>
             </a:fld>
             <a:endParaRPr lang="zh-CN" altLang="en-US"/>
           </a:p>
@@ -1264,6 +1247,7 @@
           <a:p>
             <a:fld id="{565CE74E-AB26-4998-AD42-012C4C1AD076}" type="slidenum">
               <a:rPr lang="zh-CN" altLang="en-US" smtClean="0"/>
+              <a:t>‹#›</a:t>
             </a:fld>
             <a:endParaRPr lang="zh-CN" altLang="en-US"/>
           </a:p>
@@ -1315,10 +1299,9 @@
           <a:lstStyle/>
           <a:p>
             <a:r>
-              <a:rPr lang="zh-CN" altLang="en-US" smtClean="0"/>
+              <a:rPr lang="zh-CN" altLang="en-US"/>
               <a:t>单击此处编辑母版标题样式</a:t>
             </a:r>
-            <a:endParaRPr lang="zh-CN" altLang="en-US"/>
           </a:p>
         </p:txBody>
       </p:sp>
@@ -1381,10 +1364,9 @@
           <a:p>
             <a:pPr lvl="0"/>
             <a:r>
-              <a:rPr lang="zh-CN" altLang="en-US" smtClean="0"/>
+              <a:rPr lang="zh-CN" altLang="en-US"/>
               <a:t>单击此处编辑母版文本样式</a:t>
             </a:r>
-            <a:endParaRPr lang="zh-CN" altLang="en-US" smtClean="0"/>
           </a:p>
         </p:txBody>
       </p:sp>
@@ -1410,42 +1392,37 @@
           <a:p>
             <a:pPr lvl="0"/>
             <a:r>
-              <a:rPr lang="zh-CN" altLang="en-US" smtClean="0"/>
+              <a:rPr lang="zh-CN" altLang="en-US"/>
               <a:t>单击此处编辑母版文本样式</a:t>
             </a:r>
-            <a:endParaRPr lang="zh-CN" altLang="en-US" smtClean="0"/>
           </a:p>
           <a:p>
             <a:pPr lvl="1"/>
             <a:r>
-              <a:rPr lang="zh-CN" altLang="en-US" smtClean="0"/>
+              <a:rPr lang="zh-CN" altLang="en-US"/>
               <a:t>第二级</a:t>
             </a:r>
-            <a:endParaRPr lang="zh-CN" altLang="en-US" smtClean="0"/>
           </a:p>
           <a:p>
             <a:pPr lvl="2"/>
             <a:r>
-              <a:rPr lang="zh-CN" altLang="en-US" smtClean="0"/>
+              <a:rPr lang="zh-CN" altLang="en-US"/>
               <a:t>第三级</a:t>
             </a:r>
-            <a:endParaRPr lang="zh-CN" altLang="en-US" smtClean="0"/>
           </a:p>
           <a:p>
             <a:pPr lvl="3"/>
             <a:r>
-              <a:rPr lang="zh-CN" altLang="en-US" smtClean="0"/>
+              <a:rPr lang="zh-CN" altLang="en-US"/>
               <a:t>第四级</a:t>
             </a:r>
-            <a:endParaRPr lang="zh-CN" altLang="en-US" smtClean="0"/>
           </a:p>
           <a:p>
             <a:pPr lvl="4"/>
             <a:r>
-              <a:rPr lang="zh-CN" altLang="en-US" smtClean="0"/>
+              <a:rPr lang="zh-CN" altLang="en-US"/>
               <a:t>第五级</a:t>
             </a:r>
-            <a:endParaRPr lang="zh-CN" altLang="en-US"/>
           </a:p>
         </p:txBody>
       </p:sp>
@@ -1508,10 +1485,9 @@
           <a:p>
             <a:pPr lvl="0"/>
             <a:r>
-              <a:rPr lang="zh-CN" altLang="en-US" smtClean="0"/>
+              <a:rPr lang="zh-CN" altLang="en-US"/>
               <a:t>单击此处编辑母版文本样式</a:t>
             </a:r>
-            <a:endParaRPr lang="zh-CN" altLang="en-US" smtClean="0"/>
           </a:p>
         </p:txBody>
       </p:sp>
@@ -1537,42 +1513,37 @@
           <a:p>
             <a:pPr lvl="0"/>
             <a:r>
-              <a:rPr lang="zh-CN" altLang="en-US" smtClean="0"/>
+              <a:rPr lang="zh-CN" altLang="en-US"/>
               <a:t>单击此处编辑母版文本样式</a:t>
             </a:r>
-            <a:endParaRPr lang="zh-CN" altLang="en-US" smtClean="0"/>
           </a:p>
           <a:p>
             <a:pPr lvl="1"/>
             <a:r>
-              <a:rPr lang="zh-CN" altLang="en-US" smtClean="0"/>
+              <a:rPr lang="zh-CN" altLang="en-US"/>
               <a:t>第二级</a:t>
             </a:r>
-            <a:endParaRPr lang="zh-CN" altLang="en-US" smtClean="0"/>
           </a:p>
           <a:p>
             <a:pPr lvl="2"/>
             <a:r>
-              <a:rPr lang="zh-CN" altLang="en-US" smtClean="0"/>
+              <a:rPr lang="zh-CN" altLang="en-US"/>
               <a:t>第三级</a:t>
             </a:r>
-            <a:endParaRPr lang="zh-CN" altLang="en-US" smtClean="0"/>
           </a:p>
           <a:p>
             <a:pPr lvl="3"/>
             <a:r>
-              <a:rPr lang="zh-CN" altLang="en-US" smtClean="0"/>
+              <a:rPr lang="zh-CN" altLang="en-US"/>
               <a:t>第四级</a:t>
             </a:r>
-            <a:endParaRPr lang="zh-CN" altLang="en-US" smtClean="0"/>
           </a:p>
           <a:p>
             <a:pPr lvl="4"/>
             <a:r>
-              <a:rPr lang="zh-CN" altLang="en-US" smtClean="0"/>
+              <a:rPr lang="zh-CN" altLang="en-US"/>
               <a:t>第五级</a:t>
             </a:r>
-            <a:endParaRPr lang="zh-CN" altLang="en-US"/>
           </a:p>
         </p:txBody>
       </p:sp>
@@ -1593,6 +1564,7 @@
           <a:p>
             <a:fld id="{D997B5FA-0921-464F-AAE1-844C04324D75}" type="datetimeFigureOut">
               <a:rPr lang="zh-CN" altLang="en-US" smtClean="0"/>
+              <a:t>2020/12/24</a:t>
             </a:fld>
             <a:endParaRPr lang="zh-CN" altLang="en-US"/>
           </a:p>
@@ -1634,6 +1606,7 @@
           <a:p>
             <a:fld id="{565CE74E-AB26-4998-AD42-012C4C1AD076}" type="slidenum">
               <a:rPr lang="zh-CN" altLang="en-US" smtClean="0"/>
+              <a:t>‹#›</a:t>
             </a:fld>
             <a:endParaRPr lang="zh-CN" altLang="en-US"/>
           </a:p>
@@ -1680,10 +1653,9 @@
           <a:lstStyle/>
           <a:p>
             <a:r>
-              <a:rPr lang="zh-CN" altLang="en-US" smtClean="0"/>
+              <a:rPr lang="zh-CN" altLang="en-US"/>
               <a:t>单击此处编辑母版标题样式</a:t>
             </a:r>
-            <a:endParaRPr lang="zh-CN" altLang="en-US"/>
           </a:p>
         </p:txBody>
       </p:sp>
@@ -1704,6 +1676,7 @@
           <a:p>
             <a:fld id="{D997B5FA-0921-464F-AAE1-844C04324D75}" type="datetimeFigureOut">
               <a:rPr lang="zh-CN" altLang="en-US" smtClean="0"/>
+              <a:t>2020/12/24</a:t>
             </a:fld>
             <a:endParaRPr lang="zh-CN" altLang="en-US"/>
           </a:p>
@@ -1745,6 +1718,7 @@
           <a:p>
             <a:fld id="{565CE74E-AB26-4998-AD42-012C4C1AD076}" type="slidenum">
               <a:rPr lang="zh-CN" altLang="en-US" smtClean="0"/>
+              <a:t>‹#›</a:t>
             </a:fld>
             <a:endParaRPr lang="zh-CN" altLang="en-US"/>
           </a:p>
@@ -1792,6 +1766,7 @@
           <a:p>
             <a:fld id="{D997B5FA-0921-464F-AAE1-844C04324D75}" type="datetimeFigureOut">
               <a:rPr lang="zh-CN" altLang="en-US" smtClean="0"/>
+              <a:t>2020/12/24</a:t>
             </a:fld>
             <a:endParaRPr lang="zh-CN" altLang="en-US"/>
           </a:p>
@@ -1833,6 +1808,7 @@
           <a:p>
             <a:fld id="{565CE74E-AB26-4998-AD42-012C4C1AD076}" type="slidenum">
               <a:rPr lang="zh-CN" altLang="en-US" smtClean="0"/>
+              <a:t>‹#›</a:t>
             </a:fld>
             <a:endParaRPr lang="zh-CN" altLang="en-US"/>
           </a:p>
@@ -1888,10 +1864,9 @@
           </a:lstStyle>
           <a:p>
             <a:r>
-              <a:rPr lang="zh-CN" altLang="en-US" smtClean="0"/>
+              <a:rPr lang="zh-CN" altLang="en-US"/>
               <a:t>单击此处编辑母版标题样式</a:t>
             </a:r>
-            <a:endParaRPr lang="zh-CN" altLang="en-US"/>
           </a:p>
         </p:txBody>
       </p:sp>
@@ -1945,42 +1920,37 @@
           <a:p>
             <a:pPr lvl="0"/>
             <a:r>
-              <a:rPr lang="zh-CN" altLang="en-US" smtClean="0"/>
+              <a:rPr lang="zh-CN" altLang="en-US"/>
               <a:t>单击此处编辑母版文本样式</a:t>
             </a:r>
-            <a:endParaRPr lang="zh-CN" altLang="en-US" smtClean="0"/>
           </a:p>
           <a:p>
             <a:pPr lvl="1"/>
             <a:r>
-              <a:rPr lang="zh-CN" altLang="en-US" smtClean="0"/>
+              <a:rPr lang="zh-CN" altLang="en-US"/>
               <a:t>第二级</a:t>
             </a:r>
-            <a:endParaRPr lang="zh-CN" altLang="en-US" smtClean="0"/>
           </a:p>
           <a:p>
             <a:pPr lvl="2"/>
             <a:r>
-              <a:rPr lang="zh-CN" altLang="en-US" smtClean="0"/>
+              <a:rPr lang="zh-CN" altLang="en-US"/>
               <a:t>第三级</a:t>
             </a:r>
-            <a:endParaRPr lang="zh-CN" altLang="en-US" smtClean="0"/>
           </a:p>
           <a:p>
             <a:pPr lvl="3"/>
             <a:r>
-              <a:rPr lang="zh-CN" altLang="en-US" smtClean="0"/>
+              <a:rPr lang="zh-CN" altLang="en-US"/>
               <a:t>第四级</a:t>
             </a:r>
-            <a:endParaRPr lang="zh-CN" altLang="en-US" smtClean="0"/>
           </a:p>
           <a:p>
             <a:pPr lvl="4"/>
             <a:r>
-              <a:rPr lang="zh-CN" altLang="en-US" smtClean="0"/>
+              <a:rPr lang="zh-CN" altLang="en-US"/>
               <a:t>第五级</a:t>
             </a:r>
-            <a:endParaRPr lang="zh-CN" altLang="en-US"/>
           </a:p>
         </p:txBody>
       </p:sp>
@@ -2043,10 +2013,9 @@
           <a:p>
             <a:pPr lvl="0"/>
             <a:r>
-              <a:rPr lang="zh-CN" altLang="en-US" smtClean="0"/>
+              <a:rPr lang="zh-CN" altLang="en-US"/>
               <a:t>单击此处编辑母版文本样式</a:t>
             </a:r>
-            <a:endParaRPr lang="zh-CN" altLang="en-US" smtClean="0"/>
           </a:p>
         </p:txBody>
       </p:sp>
@@ -2067,6 +2036,7 @@
           <a:p>
             <a:fld id="{D997B5FA-0921-464F-AAE1-844C04324D75}" type="datetimeFigureOut">
               <a:rPr lang="zh-CN" altLang="en-US" smtClean="0"/>
+              <a:t>2020/12/24</a:t>
             </a:fld>
             <a:endParaRPr lang="zh-CN" altLang="en-US"/>
           </a:p>
@@ -2108,6 +2078,7 @@
           <a:p>
             <a:fld id="{565CE74E-AB26-4998-AD42-012C4C1AD076}" type="slidenum">
               <a:rPr lang="zh-CN" altLang="en-US" smtClean="0"/>
+              <a:t>‹#›</a:t>
             </a:fld>
             <a:endParaRPr lang="zh-CN" altLang="en-US"/>
           </a:p>
@@ -2163,10 +2134,9 @@
           </a:lstStyle>
           <a:p>
             <a:r>
-              <a:rPr lang="zh-CN" altLang="en-US" smtClean="0"/>
+              <a:rPr lang="zh-CN" altLang="en-US"/>
               <a:t>单击此处编辑母版标题样式</a:t>
             </a:r>
-            <a:endParaRPr lang="zh-CN" altLang="en-US"/>
           </a:p>
         </p:txBody>
       </p:sp>
@@ -2290,10 +2260,9 @@
           <a:p>
             <a:pPr lvl="0"/>
             <a:r>
-              <a:rPr lang="zh-CN" altLang="en-US" smtClean="0"/>
+              <a:rPr lang="zh-CN" altLang="en-US"/>
               <a:t>单击此处编辑母版文本样式</a:t>
             </a:r>
-            <a:endParaRPr lang="zh-CN" altLang="en-US" smtClean="0"/>
           </a:p>
         </p:txBody>
       </p:sp>
@@ -2314,6 +2283,7 @@
           <a:p>
             <a:fld id="{D997B5FA-0921-464F-AAE1-844C04324D75}" type="datetimeFigureOut">
               <a:rPr lang="zh-CN" altLang="en-US" smtClean="0"/>
+              <a:t>2020/12/24</a:t>
             </a:fld>
             <a:endParaRPr lang="zh-CN" altLang="en-US"/>
           </a:p>
@@ -2355,6 +2325,7 @@
           <a:p>
             <a:fld id="{565CE74E-AB26-4998-AD42-012C4C1AD076}" type="slidenum">
               <a:rPr lang="zh-CN" altLang="en-US" smtClean="0"/>
+              <a:t>‹#›</a:t>
             </a:fld>
             <a:endParaRPr lang="zh-CN" altLang="en-US"/>
           </a:p>
@@ -2416,10 +2387,9 @@
           <a:lstStyle/>
           <a:p>
             <a:r>
-              <a:rPr lang="zh-CN" altLang="en-US" smtClean="0"/>
+              <a:rPr lang="zh-CN" altLang="en-US"/>
               <a:t>单击此处编辑母版标题样式</a:t>
             </a:r>
-            <a:endParaRPr lang="zh-CN" altLang="en-US"/>
           </a:p>
         </p:txBody>
       </p:sp>
@@ -2450,42 +2420,37 @@
           <a:p>
             <a:pPr lvl="0"/>
             <a:r>
-              <a:rPr lang="zh-CN" altLang="en-US" smtClean="0"/>
+              <a:rPr lang="zh-CN" altLang="en-US"/>
               <a:t>单击此处编辑母版文本样式</a:t>
             </a:r>
-            <a:endParaRPr lang="zh-CN" altLang="en-US" smtClean="0"/>
           </a:p>
           <a:p>
             <a:pPr lvl="1"/>
             <a:r>
-              <a:rPr lang="zh-CN" altLang="en-US" smtClean="0"/>
+              <a:rPr lang="zh-CN" altLang="en-US"/>
               <a:t>第二级</a:t>
             </a:r>
-            <a:endParaRPr lang="zh-CN" altLang="en-US" smtClean="0"/>
           </a:p>
           <a:p>
             <a:pPr lvl="2"/>
             <a:r>
-              <a:rPr lang="zh-CN" altLang="en-US" smtClean="0"/>
+              <a:rPr lang="zh-CN" altLang="en-US"/>
               <a:t>第三级</a:t>
             </a:r>
-            <a:endParaRPr lang="zh-CN" altLang="en-US" smtClean="0"/>
           </a:p>
           <a:p>
             <a:pPr lvl="3"/>
             <a:r>
-              <a:rPr lang="zh-CN" altLang="en-US" smtClean="0"/>
+              <a:rPr lang="zh-CN" altLang="en-US"/>
               <a:t>第四级</a:t>
             </a:r>
-            <a:endParaRPr lang="zh-CN" altLang="en-US" smtClean="0"/>
           </a:p>
           <a:p>
             <a:pPr lvl="4"/>
             <a:r>
-              <a:rPr lang="zh-CN" altLang="en-US" smtClean="0"/>
+              <a:rPr lang="zh-CN" altLang="en-US"/>
               <a:t>第五级</a:t>
             </a:r>
-            <a:endParaRPr lang="zh-CN" altLang="en-US"/>
           </a:p>
         </p:txBody>
       </p:sp>
@@ -2524,6 +2489,7 @@
           <a:p>
             <a:fld id="{D997B5FA-0921-464F-AAE1-844C04324D75}" type="datetimeFigureOut">
               <a:rPr lang="zh-CN" altLang="en-US" smtClean="0"/>
+              <a:t>2020/12/24</a:t>
             </a:fld>
             <a:endParaRPr lang="zh-CN" altLang="en-US"/>
           </a:p>
@@ -2601,6 +2567,7 @@
           <a:p>
             <a:fld id="{565CE74E-AB26-4998-AD42-012C4C1AD076}" type="slidenum">
               <a:rPr lang="zh-CN" altLang="en-US" smtClean="0"/>
+              <a:t>‹#›</a:t>
             </a:fld>
             <a:endParaRPr lang="zh-CN" altLang="en-US"/>
           </a:p>
@@ -2914,7 +2881,14 @@
         <p:cNvGrpSpPr/>
         <p:nvPr/>
       </p:nvGrpSpPr>
-      <p:grpSpPr/>
+      <p:grpSpPr>
+        <a:xfrm>
+          <a:off x="0" y="0"/>
+          <a:ext cx="0" cy="0"/>
+          <a:chOff x="0" y="0"/>
+          <a:chExt cx="0" cy="0"/>
+        </a:xfrm>
+      </p:grpSpPr>
       <p:sp>
         <p:nvSpPr>
           <p:cNvPr id="2" name="标题 1"/>
@@ -2928,6 +2902,7 @@
         <p:spPr/>
         <p:txBody>
           <a:bodyPr/>
+          <a:lstStyle/>
           <a:p>
             <a:endParaRPr lang="zh-CN" altLang="en-US"/>
           </a:p>
@@ -2946,6 +2921,7 @@
         <p:spPr/>
         <p:txBody>
           <a:bodyPr/>
+          <a:lstStyle/>
           <a:p>
             <a:endParaRPr lang="zh-CN" altLang="en-US"/>
           </a:p>
@@ -2968,7 +2944,14 @@
         <p:cNvGrpSpPr/>
         <p:nvPr/>
       </p:nvGrpSpPr>
-      <p:grpSpPr/>
+      <p:grpSpPr>
+        <a:xfrm>
+          <a:off x="0" y="0"/>
+          <a:ext cx="0" cy="0"/>
+          <a:chOff x="0" y="0"/>
+          <a:chExt cx="0" cy="0"/>
+        </a:xfrm>
+      </p:grpSpPr>
       <p:sp>
         <p:nvSpPr>
           <p:cNvPr id="2" name="标题 1"/>
@@ -2982,12 +2965,12 @@
         <p:spPr/>
         <p:txBody>
           <a:bodyPr/>
+          <a:lstStyle/>
           <a:p>
             <a:r>
               <a:rPr lang="" altLang="zh-CN"/>
               <a:t>思路</a:t>
             </a:r>
-            <a:endParaRPr lang="" altLang="zh-CN"/>
           </a:p>
         </p:txBody>
       </p:sp>
@@ -3004,47 +2987,95 @@
         <p:spPr/>
         <p:txBody>
           <a:bodyPr/>
-          <a:p>
-            <a:r>
-              <a:rPr lang="zh-CN" altLang="en-US"/>
+          <a:lstStyle/>
+          <a:p>
+            <a:r>
+              <a:rPr lang="zh-CN" altLang="en-US" dirty="0"/>
               <a:t>思路：</a:t>
             </a:r>
-            <a:endParaRPr lang="zh-CN" altLang="en-US"/>
-          </a:p>
-          <a:p>
-            <a:r>
-              <a:rPr lang="zh-CN" altLang="en-US"/>
+          </a:p>
+          <a:p>
+            <a:r>
+              <a:rPr lang="zh-CN" altLang="en-US" dirty="0"/>
               <a:t>想一想，这个问题可以递推，所以具有最优子结构，是动态规划问题</a:t>
             </a:r>
-            <a:endParaRPr lang="zh-CN" altLang="en-US"/>
-          </a:p>
-          <a:p>
-            <a:r>
-              <a:rPr lang="zh-CN" altLang="en-US"/>
+          </a:p>
+          <a:p>
+            <a:r>
+              <a:rPr lang="zh-CN" altLang="en-US" dirty="0"/>
               <a:t>状态：数组的长度</a:t>
             </a:r>
-            <a:endParaRPr lang="zh-CN" altLang="en-US"/>
-          </a:p>
-          <a:p>
-            <a:r>
-              <a:rPr lang="zh-CN" altLang="en-US"/>
+          </a:p>
+          <a:p>
+            <a:r>
+              <a:rPr lang="zh-CN" altLang="en-US" dirty="0"/>
               <a:t>选择：遍历以前所有的最长子序列，更新长度</a:t>
             </a:r>
-            <a:endParaRPr lang="zh-CN" altLang="en-US"/>
-          </a:p>
-          <a:p>
-            <a:r>
-              <a:rPr lang="zh-CN" altLang="en-US"/>
+          </a:p>
+          <a:p>
+            <a:r>
+              <a:rPr lang="zh-CN" altLang="en-US" dirty="0"/>
               <a:t>定义：dp[i] - 以 index = i 结尾的递增子序列的最大长度</a:t>
             </a:r>
-            <a:endParaRPr lang="zh-CN" altLang="en-US"/>
-          </a:p>
-          <a:p>
-            <a:r>
-              <a:rPr lang="zh-CN" altLang="en-US"/>
-              <a:t>方程：对于nums[i]，</a:t>
-            </a:r>
-            <a:endParaRPr lang="zh-CN" altLang="en-US"/>
+          </a:p>
+          <a:p>
+            <a:r>
+              <a:rPr lang="zh-CN" altLang="en-US" dirty="0"/>
+              <a:t>方程：对于nums[i]，遍历</a:t>
+            </a:r>
+            <a:r>
+              <a:rPr lang="en-US" altLang="zh-CN" dirty="0"/>
+              <a:t>j=0~i-1</a:t>
+            </a:r>
+            <a:r>
+              <a:rPr lang="zh-CN" altLang="en-US" dirty="0"/>
+              <a:t>，如果</a:t>
+            </a:r>
+            <a:r>
+              <a:rPr lang="en-US" altLang="zh-CN" dirty="0" err="1"/>
+              <a:t>nums</a:t>
+            </a:r>
+            <a:r>
+              <a:rPr lang="en-US" altLang="zh-CN" dirty="0"/>
+              <a:t>[</a:t>
+            </a:r>
+            <a:r>
+              <a:rPr lang="en-US" altLang="zh-CN" dirty="0" err="1"/>
+              <a:t>i</a:t>
+            </a:r>
+            <a:r>
+              <a:rPr lang="en-US" altLang="zh-CN" dirty="0"/>
+              <a:t>]&gt;</a:t>
+            </a:r>
+            <a:r>
+              <a:rPr lang="en-US" altLang="zh-CN" dirty="0" err="1"/>
+              <a:t>nums</a:t>
+            </a:r>
+            <a:r>
+              <a:rPr lang="en-US" altLang="zh-CN" dirty="0"/>
+              <a:t>[j]</a:t>
+            </a:r>
+            <a:r>
+              <a:rPr lang="zh-CN" altLang="en-US" dirty="0"/>
+              <a:t>，则试着更新一次</a:t>
+            </a:r>
+            <a:r>
+              <a:rPr lang="en-US" altLang="zh-CN" dirty="0" err="1"/>
+              <a:t>dp</a:t>
+            </a:r>
+            <a:r>
+              <a:rPr lang="en-US" altLang="zh-CN" dirty="0"/>
+              <a:t>[</a:t>
+            </a:r>
+            <a:r>
+              <a:rPr lang="en-US" altLang="zh-CN" dirty="0" err="1"/>
+              <a:t>i</a:t>
+            </a:r>
+            <a:r>
+              <a:rPr lang="en-US" altLang="zh-CN"/>
+              <a:t>]</a:t>
+            </a:r>
+            <a:endParaRPr lang="zh-CN" altLang="en-US" dirty="0"/>
           </a:p>
         </p:txBody>
       </p:sp>
@@ -3307,6 +3338,8 @@
       </a:bgFillStyleLst>
     </a:fmtScheme>
   </a:themeElements>
+  <a:objectDefaults/>
+  <a:extraClrSchemeLst/>
   <a:extLst>
     <a:ext uri="{05A4C25C-085E-4340-85A3-A5531E510DB2}">
       <thm15:themeFamily xmlns:thm15="http://schemas.microsoft.com/office/thememl/2012/main" name="Office Theme" id="{62F939B6-93AF-4DB8-9C6B-D6C7DFDC589F}" vid="{4A3C46E8-61CC-4603-A589-7422A47A8E4A}"/>
